--- a/session__04/Intermediate/session__04.pptx
+++ b/session__04/Intermediate/session__04.pptx
@@ -11,6 +11,9 @@
     <p:sldId id="259" r:id="rId5"/>
     <p:sldId id="260" r:id="rId6"/>
     <p:sldId id="261" r:id="rId7"/>
+    <p:sldId id="262" r:id="rId8"/>
+    <p:sldId id="263" r:id="rId9"/>
+    <p:sldId id="264" r:id="rId10"/>
   </p:sldIdLst>
   <p:sldSz cx="12192000" cy="6858000"/>
   <p:notesSz cx="6858000" cy="9144000"/>
@@ -109,6 +112,11 @@
       </a:defRPr>
     </a:lvl9pPr>
   </p:defaultTextStyle>
+  <p:extLst>
+    <p:ext uri="{EFAFB233-063F-42B5-8137-9DF3F51BA10A}">
+      <p15:sldGuideLst xmlns:p15="http://schemas.microsoft.com/office/powerpoint/2012/main"/>
+    </p:ext>
+  </p:extLst>
 </p:presentation>
 </file>
 
@@ -243,7 +251,7 @@
           <a:p>
             <a:fld id="{2E829ECE-4BBC-A348-B1B2-ECA7AC4C1EB9}" type="datetimeFigureOut">
               <a:rPr lang="en-US" smtClean="0"/>
-              <a:t>8/28/17</a:t>
+              <a:t>8/29/17</a:t>
             </a:fld>
             <a:endParaRPr lang="en-US"/>
           </a:p>
@@ -413,7 +421,7 @@
           <a:p>
             <a:fld id="{2E829ECE-4BBC-A348-B1B2-ECA7AC4C1EB9}" type="datetimeFigureOut">
               <a:rPr lang="en-US" smtClean="0"/>
-              <a:t>8/28/17</a:t>
+              <a:t>8/29/17</a:t>
             </a:fld>
             <a:endParaRPr lang="en-US"/>
           </a:p>
@@ -593,7 +601,7 @@
           <a:p>
             <a:fld id="{2E829ECE-4BBC-A348-B1B2-ECA7AC4C1EB9}" type="datetimeFigureOut">
               <a:rPr lang="en-US" smtClean="0"/>
-              <a:t>8/28/17</a:t>
+              <a:t>8/29/17</a:t>
             </a:fld>
             <a:endParaRPr lang="en-US"/>
           </a:p>
@@ -763,7 +771,7 @@
           <a:p>
             <a:fld id="{2E829ECE-4BBC-A348-B1B2-ECA7AC4C1EB9}" type="datetimeFigureOut">
               <a:rPr lang="en-US" smtClean="0"/>
-              <a:t>8/28/17</a:t>
+              <a:t>8/29/17</a:t>
             </a:fld>
             <a:endParaRPr lang="en-US"/>
           </a:p>
@@ -1009,7 +1017,7 @@
           <a:p>
             <a:fld id="{2E829ECE-4BBC-A348-B1B2-ECA7AC4C1EB9}" type="datetimeFigureOut">
               <a:rPr lang="en-US" smtClean="0"/>
-              <a:t>8/28/17</a:t>
+              <a:t>8/29/17</a:t>
             </a:fld>
             <a:endParaRPr lang="en-US"/>
           </a:p>
@@ -1241,7 +1249,7 @@
           <a:p>
             <a:fld id="{2E829ECE-4BBC-A348-B1B2-ECA7AC4C1EB9}" type="datetimeFigureOut">
               <a:rPr lang="en-US" smtClean="0"/>
-              <a:t>8/28/17</a:t>
+              <a:t>8/29/17</a:t>
             </a:fld>
             <a:endParaRPr lang="en-US"/>
           </a:p>
@@ -1608,7 +1616,7 @@
           <a:p>
             <a:fld id="{2E829ECE-4BBC-A348-B1B2-ECA7AC4C1EB9}" type="datetimeFigureOut">
               <a:rPr lang="en-US" smtClean="0"/>
-              <a:t>8/28/17</a:t>
+              <a:t>8/29/17</a:t>
             </a:fld>
             <a:endParaRPr lang="en-US"/>
           </a:p>
@@ -1726,7 +1734,7 @@
           <a:p>
             <a:fld id="{2E829ECE-4BBC-A348-B1B2-ECA7AC4C1EB9}" type="datetimeFigureOut">
               <a:rPr lang="en-US" smtClean="0"/>
-              <a:t>8/28/17</a:t>
+              <a:t>8/29/17</a:t>
             </a:fld>
             <a:endParaRPr lang="en-US"/>
           </a:p>
@@ -1821,7 +1829,7 @@
           <a:p>
             <a:fld id="{2E829ECE-4BBC-A348-B1B2-ECA7AC4C1EB9}" type="datetimeFigureOut">
               <a:rPr lang="en-US" smtClean="0"/>
-              <a:t>8/28/17</a:t>
+              <a:t>8/29/17</a:t>
             </a:fld>
             <a:endParaRPr lang="en-US"/>
           </a:p>
@@ -2098,7 +2106,7 @@
           <a:p>
             <a:fld id="{2E829ECE-4BBC-A348-B1B2-ECA7AC4C1EB9}" type="datetimeFigureOut">
               <a:rPr lang="en-US" smtClean="0"/>
-              <a:t>8/28/17</a:t>
+              <a:t>8/29/17</a:t>
             </a:fld>
             <a:endParaRPr lang="en-US"/>
           </a:p>
@@ -2355,7 +2363,7 @@
           <a:p>
             <a:fld id="{2E829ECE-4BBC-A348-B1B2-ECA7AC4C1EB9}" type="datetimeFigureOut">
               <a:rPr lang="en-US" smtClean="0"/>
-              <a:t>8/28/17</a:t>
+              <a:t>8/29/17</a:t>
             </a:fld>
             <a:endParaRPr lang="en-US"/>
           </a:p>
@@ -2568,7 +2576,7 @@
           <a:p>
             <a:fld id="{2E829ECE-4BBC-A348-B1B2-ECA7AC4C1EB9}" type="datetimeFigureOut">
               <a:rPr lang="en-US" smtClean="0"/>
-              <a:t>8/28/17</a:t>
+              <a:t>8/29/17</a:t>
             </a:fld>
             <a:endParaRPr lang="en-US"/>
           </a:p>
@@ -3294,7 +3302,6 @@
               <a:rPr lang="en-US" dirty="0"/>
               <a:t> and therefore wins out.</a:t>
             </a:r>
-            <a:endParaRPr lang="en-US" dirty="0"/>
           </a:p>
         </p:txBody>
       </p:sp>
@@ -3885,6 +3892,335 @@
   <p:clrMapOvr>
     <a:masterClrMapping/>
   </p:clrMapOvr>
+</p:sld>
+</file>
+
+<file path=ppt/slides/slide7.xml><?xml version="1.0" encoding="utf-8"?>
+<p:sld xmlns:a="http://schemas.openxmlformats.org/drawingml/2006/main" xmlns:r="http://schemas.openxmlformats.org/officeDocument/2006/relationships" xmlns:p="http://schemas.openxmlformats.org/presentationml/2006/main">
+  <p:cSld>
+    <p:spTree>
+      <p:nvGrpSpPr>
+        <p:cNvPr id="1" name=""/>
+        <p:cNvGrpSpPr/>
+        <p:nvPr/>
+      </p:nvGrpSpPr>
+      <p:grpSpPr>
+        <a:xfrm>
+          <a:off x="0" y="0"/>
+          <a:ext cx="0" cy="0"/>
+          <a:chOff x="0" y="0"/>
+          <a:chExt cx="0" cy="0"/>
+        </a:xfrm>
+      </p:grpSpPr>
+      <p:sp>
+        <p:nvSpPr>
+          <p:cNvPr id="2" name="Title 1"/>
+          <p:cNvSpPr>
+            <a:spLocks noGrp="1"/>
+          </p:cNvSpPr>
+          <p:nvPr>
+            <p:ph type="ctrTitle"/>
+          </p:nvPr>
+        </p:nvSpPr>
+        <p:spPr/>
+        <p:txBody>
+          <a:bodyPr/>
+          <a:lstStyle/>
+          <a:p>
+            <a:r>
+              <a:rPr lang="en-US" dirty="0" smtClean="0"/>
+              <a:t>BEM conventions</a:t>
+            </a:r>
+            <a:endParaRPr lang="en-US" dirty="0"/>
+          </a:p>
+        </p:txBody>
+      </p:sp>
+      <p:sp>
+        <p:nvSpPr>
+          <p:cNvPr id="3" name="Subtitle 2"/>
+          <p:cNvSpPr>
+            <a:spLocks noGrp="1"/>
+          </p:cNvSpPr>
+          <p:nvPr>
+            <p:ph type="subTitle" idx="1"/>
+          </p:nvPr>
+        </p:nvSpPr>
+        <p:spPr/>
+        <p:txBody>
+          <a:bodyPr/>
+          <a:lstStyle/>
+          <a:p>
+            <a:r>
+              <a:rPr lang="en-US" dirty="0"/>
+              <a:t>create reusable components and code sharing in front-end development</a:t>
+            </a:r>
+          </a:p>
+        </p:txBody>
+      </p:sp>
+    </p:spTree>
+    <p:extLst>
+      <p:ext uri="{BB962C8B-B14F-4D97-AF65-F5344CB8AC3E}">
+        <p14:creationId xmlns:p14="http://schemas.microsoft.com/office/powerpoint/2010/main" val="749733204"/>
+      </p:ext>
+    </p:extLst>
+  </p:cSld>
+  <p:clrMapOvr>
+    <a:masterClrMapping/>
+  </p:clrMapOvr>
+</p:sld>
+</file>
+
+<file path=ppt/slides/slide8.xml><?xml version="1.0" encoding="utf-8"?>
+<p:sld xmlns:a="http://schemas.openxmlformats.org/drawingml/2006/main" xmlns:r="http://schemas.openxmlformats.org/officeDocument/2006/relationships" xmlns:p="http://schemas.openxmlformats.org/presentationml/2006/main">
+  <p:cSld>
+    <p:spTree>
+      <p:nvGrpSpPr>
+        <p:cNvPr id="1" name=""/>
+        <p:cNvGrpSpPr/>
+        <p:nvPr/>
+      </p:nvGrpSpPr>
+      <p:grpSpPr>
+        <a:xfrm>
+          <a:off x="0" y="0"/>
+          <a:ext cx="0" cy="0"/>
+          <a:chOff x="0" y="0"/>
+          <a:chExt cx="0" cy="0"/>
+        </a:xfrm>
+      </p:grpSpPr>
+      <p:sp>
+        <p:nvSpPr>
+          <p:cNvPr id="2" name="Title 1"/>
+          <p:cNvSpPr>
+            <a:spLocks noGrp="1"/>
+          </p:cNvSpPr>
+          <p:nvPr>
+            <p:ph type="title"/>
+          </p:nvPr>
+        </p:nvSpPr>
+        <p:spPr/>
+        <p:txBody>
+          <a:bodyPr/>
+          <a:lstStyle/>
+          <a:p>
+            <a:r>
+              <a:rPr lang="en-US" dirty="0" smtClean="0">
+                <a:solidFill>
+                  <a:srgbClr val="549B35"/>
+                </a:solidFill>
+              </a:rPr>
+              <a:t>Block</a:t>
+            </a:r>
+            <a:r>
+              <a:rPr lang="en-US" dirty="0" smtClean="0"/>
+              <a:t>, </a:t>
+            </a:r>
+            <a:r>
+              <a:rPr lang="en-US" dirty="0" smtClean="0">
+                <a:solidFill>
+                  <a:srgbClr val="4793FA"/>
+                </a:solidFill>
+              </a:rPr>
+              <a:t>Element</a:t>
+            </a:r>
+            <a:r>
+              <a:rPr lang="en-US" dirty="0" smtClean="0">
+                <a:solidFill>
+                  <a:schemeClr val="accent1">
+                    <a:lumMod val="75000"/>
+                  </a:schemeClr>
+                </a:solidFill>
+              </a:rPr>
+              <a:t> </a:t>
+            </a:r>
+            <a:r>
+              <a:rPr lang="en-US" dirty="0" smtClean="0"/>
+              <a:t>and </a:t>
+            </a:r>
+            <a:r>
+              <a:rPr lang="en-US" dirty="0" smtClean="0">
+                <a:solidFill>
+                  <a:srgbClr val="C00000"/>
+                </a:solidFill>
+              </a:rPr>
+              <a:t>Modifier</a:t>
+            </a:r>
+            <a:endParaRPr lang="en-US" dirty="0">
+              <a:solidFill>
+                <a:srgbClr val="C00000"/>
+              </a:solidFill>
+            </a:endParaRPr>
+          </a:p>
+        </p:txBody>
+      </p:sp>
+      <p:pic>
+        <p:nvPicPr>
+          <p:cNvPr id="4" name="Picture 3"/>
+          <p:cNvPicPr>
+            <a:picLocks noChangeAspect="1"/>
+          </p:cNvPicPr>
+          <p:nvPr/>
+        </p:nvPicPr>
+        <p:blipFill>
+          <a:blip r:embed="rId2">
+            <a:extLst>
+              <a:ext uri="{28A0092B-C50C-407E-A947-70E740481C1C}">
+                <a14:useLocalDpi xmlns:a14="http://schemas.microsoft.com/office/drawing/2010/main" val="0"/>
+              </a:ext>
+            </a:extLst>
+          </a:blip>
+          <a:stretch>
+            <a:fillRect/>
+          </a:stretch>
+        </p:blipFill>
+        <p:spPr>
+          <a:xfrm>
+            <a:off x="2726481" y="1972865"/>
+            <a:ext cx="6243898" cy="4223022"/>
+          </a:xfrm>
+          <a:prstGeom prst="rect">
+            <a:avLst/>
+          </a:prstGeom>
+        </p:spPr>
+      </p:pic>
+    </p:spTree>
+    <p:extLst>
+      <p:ext uri="{BB962C8B-B14F-4D97-AF65-F5344CB8AC3E}">
+        <p14:creationId xmlns:p14="http://schemas.microsoft.com/office/powerpoint/2010/main" val="362354739"/>
+      </p:ext>
+    </p:extLst>
+  </p:cSld>
+  <p:clrMapOvr>
+    <a:masterClrMapping/>
+  </p:clrMapOvr>
+</p:sld>
+</file>
+
+<file path=ppt/slides/slide9.xml><?xml version="1.0" encoding="utf-8"?>
+<p:sld xmlns:a="http://schemas.openxmlformats.org/drawingml/2006/main" xmlns:r="http://schemas.openxmlformats.org/officeDocument/2006/relationships" xmlns:p="http://schemas.openxmlformats.org/presentationml/2006/main">
+  <p:cSld>
+    <p:spTree>
+      <p:nvGrpSpPr>
+        <p:cNvPr id="1" name=""/>
+        <p:cNvGrpSpPr/>
+        <p:nvPr/>
+      </p:nvGrpSpPr>
+      <p:grpSpPr>
+        <a:xfrm>
+          <a:off x="0" y="0"/>
+          <a:ext cx="0" cy="0"/>
+          <a:chOff x="0" y="0"/>
+          <a:chExt cx="0" cy="0"/>
+        </a:xfrm>
+      </p:grpSpPr>
+      <p:sp>
+        <p:nvSpPr>
+          <p:cNvPr id="2" name="Title 1"/>
+          <p:cNvSpPr>
+            <a:spLocks noGrp="1"/>
+          </p:cNvSpPr>
+          <p:nvPr>
+            <p:ph type="title"/>
+          </p:nvPr>
+        </p:nvSpPr>
+        <p:spPr/>
+        <p:txBody>
+          <a:bodyPr/>
+          <a:lstStyle/>
+          <a:p>
+            <a:r>
+              <a:rPr lang="en-US" dirty="0" smtClean="0"/>
+              <a:t>Tasks</a:t>
+            </a:r>
+            <a:endParaRPr lang="en-US" dirty="0"/>
+          </a:p>
+        </p:txBody>
+      </p:sp>
+      <p:pic>
+        <p:nvPicPr>
+          <p:cNvPr id="3" name="Picture 2"/>
+          <p:cNvPicPr>
+            <a:picLocks noChangeAspect="1"/>
+          </p:cNvPicPr>
+          <p:nvPr/>
+        </p:nvPicPr>
+        <p:blipFill>
+          <a:blip r:embed="rId2">
+            <a:extLst>
+              <a:ext uri="{28A0092B-C50C-407E-A947-70E740481C1C}">
+                <a14:useLocalDpi xmlns:a14="http://schemas.microsoft.com/office/drawing/2010/main" val="0"/>
+              </a:ext>
+            </a:extLst>
+          </a:blip>
+          <a:stretch>
+            <a:fillRect/>
+          </a:stretch>
+        </p:blipFill>
+        <p:spPr>
+          <a:xfrm>
+            <a:off x="5395106" y="1933182"/>
+            <a:ext cx="1401788" cy="2912524"/>
+          </a:xfrm>
+          <a:prstGeom prst="rect">
+            <a:avLst/>
+          </a:prstGeom>
+        </p:spPr>
+      </p:pic>
+      <p:sp>
+        <p:nvSpPr>
+          <p:cNvPr id="6" name="TextBox 5"/>
+          <p:cNvSpPr txBox="1"/>
+          <p:nvPr/>
+        </p:nvSpPr>
+        <p:spPr>
+          <a:xfrm>
+            <a:off x="4261412" y="5231757"/>
+            <a:ext cx="3669175" cy="381964"/>
+          </a:xfrm>
+          <a:prstGeom prst="rect">
+            <a:avLst/>
+          </a:prstGeom>
+          <a:noFill/>
+        </p:spPr>
+        <p:txBody>
+          <a:bodyPr wrap="square" rtlCol="0">
+            <a:spAutoFit/>
+          </a:bodyPr>
+          <a:lstStyle/>
+          <a:p>
+            <a:pPr algn="ctr"/>
+            <a:r>
+              <a:rPr lang="en-US" dirty="0"/>
+              <a:t>https://</a:t>
+            </a:r>
+            <a:r>
+              <a:rPr lang="en-US" dirty="0" err="1"/>
+              <a:t>goo.gl</a:t>
+            </a:r>
+            <a:r>
+              <a:rPr lang="en-US" dirty="0"/>
+              <a:t>/rri5MY</a:t>
+            </a:r>
+            <a:endParaRPr lang="en-US" dirty="0"/>
+          </a:p>
+        </p:txBody>
+      </p:sp>
+    </p:spTree>
+    <p:extLst>
+      <p:ext uri="{BB962C8B-B14F-4D97-AF65-F5344CB8AC3E}">
+        <p14:creationId xmlns:p14="http://schemas.microsoft.com/office/powerpoint/2010/main" val="1138626421"/>
+      </p:ext>
+    </p:extLst>
+  </p:cSld>
+  <p:clrMapOvr>
+    <a:masterClrMapping/>
+  </p:clrMapOvr>
+  <p:timing>
+    <p:tnLst>
+      <p:par>
+        <p:cTn id="1" dur="indefinite" restart="never" nodeType="tmRoot"/>
+      </p:par>
+    </p:tnLst>
+  </p:timing>
 </p:sld>
 </file>
 
